--- a/구조2.pptx
+++ b/구조2.pptx
@@ -8,6 +8,7 @@
     <p:sldId id="256" r:id="rId2"/>
     <p:sldId id="257" r:id="rId3"/>
     <p:sldId id="258" r:id="rId4"/>
+    <p:sldId id="259" r:id="rId5"/>
   </p:sldIdLst>
   <p:sldSz cx="12192000" cy="6858000"/>
   <p:notesSz cx="6858000" cy="9144000"/>
@@ -6390,6 +6391,243 @@
 </p:sld>
 </file>
 
+<file path=ppt/slides/slide4.xml><?xml version="1.0" encoding="utf-8"?>
+<p:sld xmlns:a="http://schemas.openxmlformats.org/drawingml/2006/main" xmlns:r="http://schemas.openxmlformats.org/officeDocument/2006/relationships" xmlns:p="http://schemas.openxmlformats.org/presentationml/2006/main">
+  <p:cSld>
+    <p:spTree>
+      <p:nvGrpSpPr>
+        <p:cNvPr id="1" name=""/>
+        <p:cNvGrpSpPr/>
+        <p:nvPr/>
+      </p:nvGrpSpPr>
+      <p:grpSpPr>
+        <a:xfrm>
+          <a:off x="0" y="0"/>
+          <a:ext cx="0" cy="0"/>
+          <a:chOff x="0" y="0"/>
+          <a:chExt cx="0" cy="0"/>
+        </a:xfrm>
+      </p:grpSpPr>
+      <p:sp>
+        <p:nvSpPr>
+          <p:cNvPr id="2" name="타원 1">
+            <a:extLst>
+              <a:ext uri="{FF2B5EF4-FFF2-40B4-BE49-F238E27FC236}">
+                <a16:creationId xmlns:a16="http://schemas.microsoft.com/office/drawing/2014/main" id="{EF02600E-EDC2-6065-E37F-E8E1C2C500E6}"/>
+              </a:ext>
+            </a:extLst>
+          </p:cNvPr>
+          <p:cNvSpPr/>
+          <p:nvPr/>
+        </p:nvSpPr>
+        <p:spPr>
+          <a:xfrm>
+            <a:off x="990600" y="1143000"/>
+            <a:ext cx="609600" cy="435429"/>
+          </a:xfrm>
+          <a:prstGeom prst="ellipse">
+            <a:avLst/>
+          </a:prstGeom>
+          <a:solidFill>
+            <a:schemeClr val="accent2"/>
+          </a:solidFill>
+          <a:ln>
+            <a:noFill/>
+          </a:ln>
+        </p:spPr>
+        <p:style>
+          <a:lnRef idx="2">
+            <a:schemeClr val="accent1">
+              <a:shade val="50000"/>
+            </a:schemeClr>
+          </a:lnRef>
+          <a:fillRef idx="1">
+            <a:schemeClr val="accent1"/>
+          </a:fillRef>
+          <a:effectRef idx="0">
+            <a:schemeClr val="accent1"/>
+          </a:effectRef>
+          <a:fontRef idx="minor">
+            <a:schemeClr val="lt1"/>
+          </a:fontRef>
+        </p:style>
+        <p:txBody>
+          <a:bodyPr rtlCol="0" anchor="ctr"/>
+          <a:lstStyle/>
+          <a:p>
+            <a:pPr algn="ctr"/>
+            <a:r>
+              <a:rPr lang="en-US" altLang="ko-KR" sz="1000" dirty="0"/>
+              <a:t>usr1</a:t>
+            </a:r>
+            <a:endParaRPr lang="ko-KR" altLang="en-US" sz="1000" dirty="0"/>
+          </a:p>
+        </p:txBody>
+      </p:sp>
+      <p:sp>
+        <p:nvSpPr>
+          <p:cNvPr id="4" name="타원 3">
+            <a:extLst>
+              <a:ext uri="{FF2B5EF4-FFF2-40B4-BE49-F238E27FC236}">
+                <a16:creationId xmlns:a16="http://schemas.microsoft.com/office/drawing/2014/main" id="{025A4BFA-148D-D22A-DECA-BD02E6A9D29D}"/>
+              </a:ext>
+            </a:extLst>
+          </p:cNvPr>
+          <p:cNvSpPr/>
+          <p:nvPr/>
+        </p:nvSpPr>
+        <p:spPr>
+          <a:xfrm>
+            <a:off x="11118011" y="1143000"/>
+            <a:ext cx="609600" cy="435429"/>
+          </a:xfrm>
+          <a:prstGeom prst="ellipse">
+            <a:avLst/>
+          </a:prstGeom>
+          <a:solidFill>
+            <a:schemeClr val="accent5">
+              <a:lumMod val="60000"/>
+              <a:lumOff val="40000"/>
+            </a:schemeClr>
+          </a:solidFill>
+          <a:ln>
+            <a:noFill/>
+          </a:ln>
+        </p:spPr>
+        <p:style>
+          <a:lnRef idx="2">
+            <a:schemeClr val="accent1">
+              <a:shade val="50000"/>
+            </a:schemeClr>
+          </a:lnRef>
+          <a:fillRef idx="1">
+            <a:schemeClr val="accent1"/>
+          </a:fillRef>
+          <a:effectRef idx="0">
+            <a:schemeClr val="accent1"/>
+          </a:effectRef>
+          <a:fontRef idx="minor">
+            <a:schemeClr val="lt1"/>
+          </a:fontRef>
+        </p:style>
+        <p:txBody>
+          <a:bodyPr rtlCol="0" anchor="ctr"/>
+          <a:lstStyle/>
+          <a:p>
+            <a:pPr algn="ctr"/>
+            <a:r>
+              <a:rPr lang="en-US" altLang="ko-KR" sz="1000" dirty="0"/>
+              <a:t>usr2</a:t>
+            </a:r>
+            <a:endParaRPr lang="ko-KR" altLang="en-US" sz="1000" dirty="0"/>
+          </a:p>
+        </p:txBody>
+      </p:sp>
+      <p:sp>
+        <p:nvSpPr>
+          <p:cNvPr id="3" name="직사각형 2">
+            <a:extLst>
+              <a:ext uri="{FF2B5EF4-FFF2-40B4-BE49-F238E27FC236}">
+                <a16:creationId xmlns:a16="http://schemas.microsoft.com/office/drawing/2014/main" id="{ADDA4187-EFB9-E16E-6421-72C36200E607}"/>
+              </a:ext>
+            </a:extLst>
+          </p:cNvPr>
+          <p:cNvSpPr/>
+          <p:nvPr/>
+        </p:nvSpPr>
+        <p:spPr>
+          <a:xfrm>
+            <a:off x="1785668" y="828136"/>
+            <a:ext cx="2130724" cy="2708694"/>
+          </a:xfrm>
+          <a:prstGeom prst="rect">
+            <a:avLst/>
+          </a:prstGeom>
+        </p:spPr>
+        <p:style>
+          <a:lnRef idx="2">
+            <a:schemeClr val="accent1">
+              <a:shade val="50000"/>
+            </a:schemeClr>
+          </a:lnRef>
+          <a:fillRef idx="1">
+            <a:schemeClr val="accent1"/>
+          </a:fillRef>
+          <a:effectRef idx="0">
+            <a:schemeClr val="accent1"/>
+          </a:effectRef>
+          <a:fontRef idx="minor">
+            <a:schemeClr val="lt1"/>
+          </a:fontRef>
+        </p:style>
+        <p:txBody>
+          <a:bodyPr rtlCol="0" anchor="ctr"/>
+          <a:lstStyle/>
+          <a:p>
+            <a:pPr algn="ctr"/>
+            <a:endParaRPr lang="ko-KR" altLang="en-US"/>
+          </a:p>
+        </p:txBody>
+      </p:sp>
+      <p:sp>
+        <p:nvSpPr>
+          <p:cNvPr id="9" name="직사각형 8">
+            <a:extLst>
+              <a:ext uri="{FF2B5EF4-FFF2-40B4-BE49-F238E27FC236}">
+                <a16:creationId xmlns:a16="http://schemas.microsoft.com/office/drawing/2014/main" id="{90385E35-762E-7FB7-5CB2-A459F65D0220}"/>
+              </a:ext>
+            </a:extLst>
+          </p:cNvPr>
+          <p:cNvSpPr/>
+          <p:nvPr/>
+        </p:nvSpPr>
+        <p:spPr>
+          <a:xfrm>
+            <a:off x="8649419" y="828136"/>
+            <a:ext cx="2130724" cy="2708694"/>
+          </a:xfrm>
+          <a:prstGeom prst="rect">
+            <a:avLst/>
+          </a:prstGeom>
+        </p:spPr>
+        <p:style>
+          <a:lnRef idx="2">
+            <a:schemeClr val="accent1">
+              <a:shade val="50000"/>
+            </a:schemeClr>
+          </a:lnRef>
+          <a:fillRef idx="1">
+            <a:schemeClr val="accent1"/>
+          </a:fillRef>
+          <a:effectRef idx="0">
+            <a:schemeClr val="accent1"/>
+          </a:effectRef>
+          <a:fontRef idx="minor">
+            <a:schemeClr val="lt1"/>
+          </a:fontRef>
+        </p:style>
+        <p:txBody>
+          <a:bodyPr rtlCol="0" anchor="ctr"/>
+          <a:lstStyle/>
+          <a:p>
+            <a:pPr algn="ctr"/>
+            <a:endParaRPr lang="ko-KR" altLang="en-US"/>
+          </a:p>
+        </p:txBody>
+      </p:sp>
+    </p:spTree>
+    <p:extLst>
+      <p:ext uri="{BB962C8B-B14F-4D97-AF65-F5344CB8AC3E}">
+        <p14:creationId xmlns:p14="http://schemas.microsoft.com/office/powerpoint/2010/main" val="2581157631"/>
+      </p:ext>
+    </p:extLst>
+  </p:cSld>
+  <p:clrMapOvr>
+    <a:masterClrMapping/>
+  </p:clrMapOvr>
+</p:sld>
+</file>
+
 <file path=ppt/theme/theme1.xml><?xml version="1.0" encoding="utf-8"?>
 <a:theme xmlns:a="http://schemas.openxmlformats.org/drawingml/2006/main" name="Office 테마">
   <a:themeElements>

--- a/구조2.pptx
+++ b/구조2.pptx
@@ -272,7 +272,7 @@
           <a:p>
             <a:fld id="{96D19429-E6AA-4E57-A76C-691D0A29C595}" type="datetimeFigureOut">
               <a:rPr lang="ko-KR" altLang="en-US" smtClean="0"/>
-              <a:t>2022-08-31</a:t>
+              <a:t>2022-09-01</a:t>
             </a:fld>
             <a:endParaRPr lang="ko-KR" altLang="en-US"/>
           </a:p>
@@ -470,7 +470,7 @@
           <a:p>
             <a:fld id="{96D19429-E6AA-4E57-A76C-691D0A29C595}" type="datetimeFigureOut">
               <a:rPr lang="ko-KR" altLang="en-US" smtClean="0"/>
-              <a:t>2022-08-31</a:t>
+              <a:t>2022-09-01</a:t>
             </a:fld>
             <a:endParaRPr lang="ko-KR" altLang="en-US"/>
           </a:p>
@@ -678,7 +678,7 @@
           <a:p>
             <a:fld id="{96D19429-E6AA-4E57-A76C-691D0A29C595}" type="datetimeFigureOut">
               <a:rPr lang="ko-KR" altLang="en-US" smtClean="0"/>
-              <a:t>2022-08-31</a:t>
+              <a:t>2022-09-01</a:t>
             </a:fld>
             <a:endParaRPr lang="ko-KR" altLang="en-US"/>
           </a:p>
@@ -876,7 +876,7 @@
           <a:p>
             <a:fld id="{96D19429-E6AA-4E57-A76C-691D0A29C595}" type="datetimeFigureOut">
               <a:rPr lang="ko-KR" altLang="en-US" smtClean="0"/>
-              <a:t>2022-08-31</a:t>
+              <a:t>2022-09-01</a:t>
             </a:fld>
             <a:endParaRPr lang="ko-KR" altLang="en-US"/>
           </a:p>
@@ -1151,7 +1151,7 @@
           <a:p>
             <a:fld id="{96D19429-E6AA-4E57-A76C-691D0A29C595}" type="datetimeFigureOut">
               <a:rPr lang="ko-KR" altLang="en-US" smtClean="0"/>
-              <a:t>2022-08-31</a:t>
+              <a:t>2022-09-01</a:t>
             </a:fld>
             <a:endParaRPr lang="ko-KR" altLang="en-US"/>
           </a:p>
@@ -1416,7 +1416,7 @@
           <a:p>
             <a:fld id="{96D19429-E6AA-4E57-A76C-691D0A29C595}" type="datetimeFigureOut">
               <a:rPr lang="ko-KR" altLang="en-US" smtClean="0"/>
-              <a:t>2022-08-31</a:t>
+              <a:t>2022-09-01</a:t>
             </a:fld>
             <a:endParaRPr lang="ko-KR" altLang="en-US"/>
           </a:p>
@@ -1828,7 +1828,7 @@
           <a:p>
             <a:fld id="{96D19429-E6AA-4E57-A76C-691D0A29C595}" type="datetimeFigureOut">
               <a:rPr lang="ko-KR" altLang="en-US" smtClean="0"/>
-              <a:t>2022-08-31</a:t>
+              <a:t>2022-09-01</a:t>
             </a:fld>
             <a:endParaRPr lang="ko-KR" altLang="en-US"/>
           </a:p>
@@ -1969,7 +1969,7 @@
           <a:p>
             <a:fld id="{96D19429-E6AA-4E57-A76C-691D0A29C595}" type="datetimeFigureOut">
               <a:rPr lang="ko-KR" altLang="en-US" smtClean="0"/>
-              <a:t>2022-08-31</a:t>
+              <a:t>2022-09-01</a:t>
             </a:fld>
             <a:endParaRPr lang="ko-KR" altLang="en-US"/>
           </a:p>
@@ -2082,7 +2082,7 @@
           <a:p>
             <a:fld id="{96D19429-E6AA-4E57-A76C-691D0A29C595}" type="datetimeFigureOut">
               <a:rPr lang="ko-KR" altLang="en-US" smtClean="0"/>
-              <a:t>2022-08-31</a:t>
+              <a:t>2022-09-01</a:t>
             </a:fld>
             <a:endParaRPr lang="ko-KR" altLang="en-US"/>
           </a:p>
@@ -2393,7 +2393,7 @@
           <a:p>
             <a:fld id="{96D19429-E6AA-4E57-A76C-691D0A29C595}" type="datetimeFigureOut">
               <a:rPr lang="ko-KR" altLang="en-US" smtClean="0"/>
-              <a:t>2022-08-31</a:t>
+              <a:t>2022-09-01</a:t>
             </a:fld>
             <a:endParaRPr lang="ko-KR" altLang="en-US"/>
           </a:p>
@@ -2681,7 +2681,7 @@
           <a:p>
             <a:fld id="{96D19429-E6AA-4E57-A76C-691D0A29C595}" type="datetimeFigureOut">
               <a:rPr lang="ko-KR" altLang="en-US" smtClean="0"/>
-              <a:t>2022-08-31</a:t>
+              <a:t>2022-09-01</a:t>
             </a:fld>
             <a:endParaRPr lang="ko-KR" altLang="en-US"/>
           </a:p>
@@ -2922,7 +2922,7 @@
           <a:p>
             <a:fld id="{96D19429-E6AA-4E57-A76C-691D0A29C595}" type="datetimeFigureOut">
               <a:rPr lang="ko-KR" altLang="en-US" smtClean="0"/>
-              <a:t>2022-08-31</a:t>
+              <a:t>2022-09-01</a:t>
             </a:fld>
             <a:endParaRPr lang="ko-KR" altLang="en-US"/>
           </a:p>
@@ -6377,6 +6377,78 @@
           </a:p>
         </p:txBody>
       </p:sp>
+      <p:sp>
+        <p:nvSpPr>
+          <p:cNvPr id="8" name="TextBox 7">
+            <a:extLst>
+              <a:ext uri="{FF2B5EF4-FFF2-40B4-BE49-F238E27FC236}">
+                <a16:creationId xmlns:a16="http://schemas.microsoft.com/office/drawing/2014/main" id="{322F7A6F-964E-1198-C391-840D524778D0}"/>
+              </a:ext>
+            </a:extLst>
+          </p:cNvPr>
+          <p:cNvSpPr txBox="1"/>
+          <p:nvPr/>
+        </p:nvSpPr>
+        <p:spPr>
+          <a:xfrm>
+            <a:off x="8356121" y="1166071"/>
+            <a:ext cx="2396810" cy="738664"/>
+          </a:xfrm>
+          <a:prstGeom prst="rect">
+            <a:avLst/>
+          </a:prstGeom>
+          <a:noFill/>
+        </p:spPr>
+        <p:txBody>
+          <a:bodyPr wrap="none" rtlCol="0">
+            <a:spAutoFit/>
+          </a:bodyPr>
+          <a:lstStyle/>
+          <a:p>
+            <a:r>
+              <a:rPr lang="ko-KR" altLang="en-US" sz="1050" dirty="0"/>
+              <a:t>대기에서 게임으로 가져와야 할 변수</a:t>
+            </a:r>
+            <a:endParaRPr lang="en-US" altLang="ko-KR" sz="1050" dirty="0"/>
+          </a:p>
+          <a:p>
+            <a:endParaRPr lang="en-US" altLang="ko-KR" sz="1050" dirty="0"/>
+          </a:p>
+          <a:p>
+            <a:pPr marL="171450" indent="-171450">
+              <a:buFontTx/>
+              <a:buChar char="-"/>
+            </a:pPr>
+            <a:r>
+              <a:rPr lang="ko-KR" altLang="en-US" sz="1050" dirty="0"/>
+              <a:t>입장한 </a:t>
+            </a:r>
+            <a:r>
+              <a:rPr lang="en-US" altLang="ko-KR" sz="1050" dirty="0"/>
+              <a:t>room </a:t>
+            </a:r>
+            <a:r>
+              <a:rPr lang="ko-KR" altLang="en-US" sz="1050" dirty="0"/>
+              <a:t>번호</a:t>
+            </a:r>
+            <a:endParaRPr lang="en-US" altLang="ko-KR" sz="1050" dirty="0"/>
+          </a:p>
+          <a:p>
+            <a:pPr marL="171450" indent="-171450">
+              <a:buFontTx/>
+              <a:buChar char="-"/>
+            </a:pPr>
+            <a:r>
+              <a:rPr lang="en-US" altLang="ko-KR" sz="1050" dirty="0"/>
+              <a:t>Id</a:t>
+            </a:r>
+            <a:r>
+              <a:rPr lang="ko-KR" altLang="en-US" sz="1050" dirty="0"/>
+              <a:t> 값</a:t>
+            </a:r>
+          </a:p>
+        </p:txBody>
+      </p:sp>
     </p:spTree>
     <p:extLst>
       <p:ext uri="{BB962C8B-B14F-4D97-AF65-F5344CB8AC3E}">
